--- a/projects/05-chat-nodejs-socket-io/websocket.pptx
+++ b/projects/05-chat-nodejs-socket-io/websocket.pptx
@@ -3511,8 +3511,8 @@
         </p:nvSpPr>
         <p:spPr>
           <a:xfrm>
-            <a:off x="0" y="113777"/>
-            <a:ext cx="12123665" cy="1015663"/>
+            <a:off x="1056291" y="113777"/>
+            <a:ext cx="6219152" cy="1015663"/>
           </a:xfrm>
           <a:prstGeom prst="rect">
             <a:avLst/>
@@ -3525,7 +3525,6 @@
           </a:bodyPr>
           <a:lstStyle/>
           <a:p>
-            <a:pPr algn="ctr"/>
             <a:r>
               <a:rPr lang="en-US" sz="6000" b="1" cap="none" spc="0" dirty="0">
                 <a:ln w="0"/>
@@ -3545,6 +3544,36 @@
           </a:p>
         </p:txBody>
       </p:sp>
+      <p:pic>
+        <p:nvPicPr>
+          <p:cNvPr id="4" name="Picture 3">
+            <a:extLst>
+              <a:ext uri="{FF2B5EF4-FFF2-40B4-BE49-F238E27FC236}">
+                <a16:creationId xmlns:a16="http://schemas.microsoft.com/office/drawing/2014/main" id="{26538921-E742-5940-BC9F-4CAC706AED7E}"/>
+              </a:ext>
+            </a:extLst>
+          </p:cNvPr>
+          <p:cNvPicPr>
+            <a:picLocks noChangeAspect="1"/>
+          </p:cNvPicPr>
+          <p:nvPr/>
+        </p:nvPicPr>
+        <p:blipFill>
+          <a:blip r:embed="rId2"/>
+          <a:stretch>
+            <a:fillRect/>
+          </a:stretch>
+        </p:blipFill>
+        <p:spPr>
+          <a:xfrm>
+            <a:off x="7059561" y="216864"/>
+            <a:ext cx="4089400" cy="889000"/>
+          </a:xfrm>
+          <a:prstGeom prst="rect">
+            <a:avLst/>
+          </a:prstGeom>
+        </p:spPr>
+      </p:pic>
     </p:spTree>
     <p:extLst>
       <p:ext uri="{BB962C8B-B14F-4D97-AF65-F5344CB8AC3E}">
@@ -4377,10 +4406,10 @@
       </p:sp>
       <p:sp>
         <p:nvSpPr>
-          <p:cNvPr id="7" name="Rectangle 6">
+          <p:cNvPr id="4" name="Rectangle 3">
             <a:extLst>
               <a:ext uri="{FF2B5EF4-FFF2-40B4-BE49-F238E27FC236}">
-                <a16:creationId xmlns:a16="http://schemas.microsoft.com/office/drawing/2014/main" id="{56759BE5-F386-D148-8C7C-116F1B519D85}"/>
+                <a16:creationId xmlns:a16="http://schemas.microsoft.com/office/drawing/2014/main" id="{AA712CCC-0F51-5147-857A-F33544398307}"/>
               </a:ext>
             </a:extLst>
           </p:cNvPr>
@@ -4389,8 +4418,8 @@
         </p:nvSpPr>
         <p:spPr>
           <a:xfrm>
-            <a:off x="0" y="113777"/>
-            <a:ext cx="12123665" cy="1015663"/>
+            <a:off x="1056291" y="113777"/>
+            <a:ext cx="6219152" cy="1015663"/>
           </a:xfrm>
           <a:prstGeom prst="rect">
             <a:avLst/>
@@ -4403,7 +4432,6 @@
           </a:bodyPr>
           <a:lstStyle/>
           <a:p>
-            <a:pPr algn="ctr"/>
             <a:r>
               <a:rPr lang="en-US" sz="6000" b="1" cap="none" spc="0" dirty="0">
                 <a:ln w="0"/>
@@ -4423,6 +4451,36 @@
           </a:p>
         </p:txBody>
       </p:sp>
+      <p:pic>
+        <p:nvPicPr>
+          <p:cNvPr id="5" name="Picture 4">
+            <a:extLst>
+              <a:ext uri="{FF2B5EF4-FFF2-40B4-BE49-F238E27FC236}">
+                <a16:creationId xmlns:a16="http://schemas.microsoft.com/office/drawing/2014/main" id="{7D43C519-715D-D949-9095-5135B680E709}"/>
+              </a:ext>
+            </a:extLst>
+          </p:cNvPr>
+          <p:cNvPicPr>
+            <a:picLocks noChangeAspect="1"/>
+          </p:cNvPicPr>
+          <p:nvPr/>
+        </p:nvPicPr>
+        <p:blipFill>
+          <a:blip r:embed="rId2"/>
+          <a:stretch>
+            <a:fillRect/>
+          </a:stretch>
+        </p:blipFill>
+        <p:spPr>
+          <a:xfrm>
+            <a:off x="7059561" y="216864"/>
+            <a:ext cx="4089400" cy="889000"/>
+          </a:xfrm>
+          <a:prstGeom prst="rect">
+            <a:avLst/>
+          </a:prstGeom>
+        </p:spPr>
+      </p:pic>
     </p:spTree>
     <p:extLst>
       <p:ext uri="{BB962C8B-B14F-4D97-AF65-F5344CB8AC3E}">

--- a/projects/05-chat-nodejs-socket-io/websocket.pptx
+++ b/projects/05-chat-nodejs-socket-io/websocket.pptx
@@ -6,8 +6,9 @@
   </p:sldMasterIdLst>
   <p:sldIdLst>
     <p:sldId id="257" r:id="rId2"/>
-    <p:sldId id="258" r:id="rId3"/>
-    <p:sldId id="256" r:id="rId4"/>
+    <p:sldId id="259" r:id="rId3"/>
+    <p:sldId id="258" r:id="rId4"/>
+    <p:sldId id="256" r:id="rId5"/>
   </p:sldIdLst>
   <p:sldSz cx="12192000" cy="6858000"/>
   <p:notesSz cx="6858000" cy="9144000"/>
@@ -269,7 +270,7 @@
           <a:p>
             <a:fld id="{A74A3E01-8C82-1244-BAF0-CA56415AE545}" type="datetimeFigureOut">
               <a:rPr lang="pt-BR" smtClean="0"/>
-              <a:t>06/11/2018</a:t>
+              <a:t>15/11/2018</a:t>
             </a:fld>
             <a:endParaRPr lang="pt-BR"/>
           </a:p>
@@ -439,7 +440,7 @@
           <a:p>
             <a:fld id="{A74A3E01-8C82-1244-BAF0-CA56415AE545}" type="datetimeFigureOut">
               <a:rPr lang="pt-BR" smtClean="0"/>
-              <a:t>06/11/2018</a:t>
+              <a:t>15/11/2018</a:t>
             </a:fld>
             <a:endParaRPr lang="pt-BR"/>
           </a:p>
@@ -619,7 +620,7 @@
           <a:p>
             <a:fld id="{A74A3E01-8C82-1244-BAF0-CA56415AE545}" type="datetimeFigureOut">
               <a:rPr lang="pt-BR" smtClean="0"/>
-              <a:t>06/11/2018</a:t>
+              <a:t>15/11/2018</a:t>
             </a:fld>
             <a:endParaRPr lang="pt-BR"/>
           </a:p>
@@ -789,7 +790,7 @@
           <a:p>
             <a:fld id="{A74A3E01-8C82-1244-BAF0-CA56415AE545}" type="datetimeFigureOut">
               <a:rPr lang="pt-BR" smtClean="0"/>
-              <a:t>06/11/2018</a:t>
+              <a:t>15/11/2018</a:t>
             </a:fld>
             <a:endParaRPr lang="pt-BR"/>
           </a:p>
@@ -1049,7 +1050,7 @@
           <a:p>
             <a:fld id="{A74A3E01-8C82-1244-BAF0-CA56415AE545}" type="datetimeFigureOut">
               <a:rPr lang="pt-BR" smtClean="0"/>
-              <a:t>06/11/2018</a:t>
+              <a:t>15/11/2018</a:t>
             </a:fld>
             <a:endParaRPr lang="pt-BR"/>
           </a:p>
@@ -1281,7 +1282,7 @@
           <a:p>
             <a:fld id="{A74A3E01-8C82-1244-BAF0-CA56415AE545}" type="datetimeFigureOut">
               <a:rPr lang="pt-BR" smtClean="0"/>
-              <a:t>06/11/2018</a:t>
+              <a:t>15/11/2018</a:t>
             </a:fld>
             <a:endParaRPr lang="pt-BR"/>
           </a:p>
@@ -1636,7 +1637,7 @@
           <a:p>
             <a:fld id="{A74A3E01-8C82-1244-BAF0-CA56415AE545}" type="datetimeFigureOut">
               <a:rPr lang="pt-BR" smtClean="0"/>
-              <a:t>06/11/2018</a:t>
+              <a:t>15/11/2018</a:t>
             </a:fld>
             <a:endParaRPr lang="pt-BR"/>
           </a:p>
@@ -1777,7 +1778,7 @@
           <a:p>
             <a:fld id="{A74A3E01-8C82-1244-BAF0-CA56415AE545}" type="datetimeFigureOut">
               <a:rPr lang="pt-BR" smtClean="0"/>
-              <a:t>06/11/2018</a:t>
+              <a:t>15/11/2018</a:t>
             </a:fld>
             <a:endParaRPr lang="pt-BR"/>
           </a:p>
@@ -1872,7 +1873,7 @@
           <a:p>
             <a:fld id="{A74A3E01-8C82-1244-BAF0-CA56415AE545}" type="datetimeFigureOut">
               <a:rPr lang="pt-BR" smtClean="0"/>
-              <a:t>06/11/2018</a:t>
+              <a:t>15/11/2018</a:t>
             </a:fld>
             <a:endParaRPr lang="pt-BR"/>
           </a:p>
@@ -2229,7 +2230,7 @@
           <a:p>
             <a:fld id="{A74A3E01-8C82-1244-BAF0-CA56415AE545}" type="datetimeFigureOut">
               <a:rPr lang="pt-BR" smtClean="0"/>
-              <a:t>06/11/2018</a:t>
+              <a:t>15/11/2018</a:t>
             </a:fld>
             <a:endParaRPr lang="pt-BR"/>
           </a:p>
@@ -2547,7 +2548,7 @@
           <a:p>
             <a:fld id="{A74A3E01-8C82-1244-BAF0-CA56415AE545}" type="datetimeFigureOut">
               <a:rPr lang="pt-BR" smtClean="0"/>
-              <a:t>06/11/2018</a:t>
+              <a:t>15/11/2018</a:t>
             </a:fld>
             <a:endParaRPr lang="pt-BR"/>
           </a:p>
@@ -2791,7 +2792,7 @@
           <a:p>
             <a:fld id="{A74A3E01-8C82-1244-BAF0-CA56415AE545}" type="datetimeFigureOut">
               <a:rPr lang="pt-BR" smtClean="0"/>
-              <a:t>06/11/2018</a:t>
+              <a:t>15/11/2018</a:t>
             </a:fld>
             <a:endParaRPr lang="pt-BR"/>
           </a:p>
@@ -3248,6 +3249,130 @@
       </p:grpSpPr>
       <p:sp>
         <p:nvSpPr>
+          <p:cNvPr id="6" name="Rectangle 5">
+            <a:extLst>
+              <a:ext uri="{FF2B5EF4-FFF2-40B4-BE49-F238E27FC236}">
+                <a16:creationId xmlns:a16="http://schemas.microsoft.com/office/drawing/2014/main" id="{758CC403-E917-AC49-BB75-FFC4674B000D}"/>
+              </a:ext>
+            </a:extLst>
+          </p:cNvPr>
+          <p:cNvSpPr/>
+          <p:nvPr/>
+        </p:nvSpPr>
+        <p:spPr>
+          <a:xfrm>
+            <a:off x="2319132" y="1624524"/>
+            <a:ext cx="7986375" cy="1015663"/>
+          </a:xfrm>
+          <a:prstGeom prst="rect">
+            <a:avLst/>
+          </a:prstGeom>
+          <a:noFill/>
+        </p:spPr>
+        <p:txBody>
+          <a:bodyPr wrap="square" lIns="91440" tIns="45720" rIns="91440" bIns="45720">
+            <a:spAutoFit/>
+          </a:bodyPr>
+          <a:lstStyle/>
+          <a:p>
+            <a:pPr algn="ctr"/>
+            <a:r>
+              <a:rPr lang="en-US" sz="6000" b="1" cap="none" spc="0" dirty="0" err="1">
+                <a:ln w="0"/>
+                <a:solidFill>
+                  <a:schemeClr val="tx1"/>
+                </a:solidFill>
+                <a:effectLst>
+                  <a:outerShdw blurRad="38100" dist="19050" dir="2700000" algn="tl" rotWithShape="0">
+                    <a:schemeClr val="dk1">
+                      <a:alpha val="40000"/>
+                    </a:schemeClr>
+                  </a:outerShdw>
+                </a:effectLst>
+              </a:rPr>
+              <a:t>Protocolo</a:t>
+            </a:r>
+            <a:r>
+              <a:rPr lang="en-US" sz="6000" b="1" cap="none" spc="0" dirty="0">
+                <a:ln w="0"/>
+                <a:solidFill>
+                  <a:schemeClr val="tx1"/>
+                </a:solidFill>
+                <a:effectLst>
+                  <a:outerShdw blurRad="38100" dist="19050" dir="2700000" algn="tl" rotWithShape="0">
+                    <a:schemeClr val="dk1">
+                      <a:alpha val="40000"/>
+                    </a:schemeClr>
+                  </a:outerShdw>
+                </a:effectLst>
+              </a:rPr>
+              <a:t> WebSocket</a:t>
+            </a:r>
+          </a:p>
+        </p:txBody>
+      </p:sp>
+      <p:pic>
+        <p:nvPicPr>
+          <p:cNvPr id="4" name="Picture 3">
+            <a:extLst>
+              <a:ext uri="{FF2B5EF4-FFF2-40B4-BE49-F238E27FC236}">
+                <a16:creationId xmlns:a16="http://schemas.microsoft.com/office/drawing/2014/main" id="{26538921-E742-5940-BC9F-4CAC706AED7E}"/>
+              </a:ext>
+            </a:extLst>
+          </p:cNvPr>
+          <p:cNvPicPr>
+            <a:picLocks noChangeAspect="1"/>
+          </p:cNvPicPr>
+          <p:nvPr/>
+        </p:nvPicPr>
+        <p:blipFill>
+          <a:blip r:embed="rId2"/>
+          <a:stretch>
+            <a:fillRect/>
+          </a:stretch>
+        </p:blipFill>
+        <p:spPr>
+          <a:xfrm>
+            <a:off x="4051300" y="2748029"/>
+            <a:ext cx="4089400" cy="889000"/>
+          </a:xfrm>
+          <a:prstGeom prst="rect">
+            <a:avLst/>
+          </a:prstGeom>
+        </p:spPr>
+      </p:pic>
+    </p:spTree>
+    <p:extLst>
+      <p:ext uri="{BB962C8B-B14F-4D97-AF65-F5344CB8AC3E}">
+        <p14:creationId xmlns:p14="http://schemas.microsoft.com/office/powerpoint/2010/main" val="694006806"/>
+      </p:ext>
+    </p:extLst>
+  </p:cSld>
+  <p:clrMapOvr>
+    <a:masterClrMapping/>
+  </p:clrMapOvr>
+</p:sld>
+</file>
+
+<file path=ppt/slides/slide2.xml><?xml version="1.0" encoding="utf-8"?>
+<p:sld xmlns:a="http://schemas.openxmlformats.org/drawingml/2006/main" xmlns:r="http://schemas.openxmlformats.org/officeDocument/2006/relationships" xmlns:p="http://schemas.openxmlformats.org/presentationml/2006/main">
+  <p:cSld>
+    <p:spTree>
+      <p:nvGrpSpPr>
+        <p:cNvPr id="1" name=""/>
+        <p:cNvGrpSpPr/>
+        <p:nvPr/>
+      </p:nvGrpSpPr>
+      <p:grpSpPr>
+        <a:xfrm>
+          <a:off x="0" y="0"/>
+          <a:ext cx="0" cy="0"/>
+          <a:chOff x="0" y="0"/>
+          <a:chExt cx="0" cy="0"/>
+        </a:xfrm>
+      </p:grpSpPr>
+      <p:sp>
+        <p:nvSpPr>
           <p:cNvPr id="3" name="Content Placeholder 2">
             <a:extLst>
               <a:ext uri="{FF2B5EF4-FFF2-40B4-BE49-F238E27FC236}">
@@ -3577,7 +3702,7 @@
     </p:spTree>
     <p:extLst>
       <p:ext uri="{BB962C8B-B14F-4D97-AF65-F5344CB8AC3E}">
-        <p14:creationId xmlns:p14="http://schemas.microsoft.com/office/powerpoint/2010/main" val="694006806"/>
+        <p14:creationId xmlns:p14="http://schemas.microsoft.com/office/powerpoint/2010/main" val="2705771804"/>
       </p:ext>
     </p:extLst>
   </p:cSld>
@@ -3864,7 +3989,7 @@
 </p:sld>
 </file>
 
-<file path=ppt/slides/slide2.xml><?xml version="1.0" encoding="utf-8"?>
+<file path=ppt/slides/slide3.xml><?xml version="1.0" encoding="utf-8"?>
 <p:sld xmlns:a="http://schemas.openxmlformats.org/drawingml/2006/main" xmlns:r="http://schemas.openxmlformats.org/officeDocument/2006/relationships" xmlns:p="http://schemas.openxmlformats.org/presentationml/2006/main">
   <p:cSld>
     <p:spTree>
@@ -4832,7 +4957,7 @@
 </p:sld>
 </file>
 
-<file path=ppt/slides/slide3.xml><?xml version="1.0" encoding="utf-8"?>
+<file path=ppt/slides/slide4.xml><?xml version="1.0" encoding="utf-8"?>
 <p:sld xmlns:a="http://schemas.openxmlformats.org/drawingml/2006/main" xmlns:r="http://schemas.openxmlformats.org/officeDocument/2006/relationships" xmlns:p="http://schemas.openxmlformats.org/presentationml/2006/main">
   <p:cSld>
     <p:spTree>
